--- a/docs/Minesweeper-6-Team-Project.pptx
+++ b/docs/Minesweeper-6-Team-Project.pptx
@@ -5,10 +5,10 @@
     <p:sldMasterId id="2147483672" r:id="rId1"/>
   </p:sldMasterIdLst>
   <p:notesMasterIdLst>
-    <p:notesMasterId r:id="rId15"/>
+    <p:notesMasterId r:id="rId16"/>
   </p:notesMasterIdLst>
   <p:handoutMasterIdLst>
-    <p:handoutMasterId r:id="rId16"/>
+    <p:handoutMasterId r:id="rId17"/>
   </p:handoutMasterIdLst>
   <p:sldIdLst>
     <p:sldId id="320" r:id="rId2"/>
@@ -22,8 +22,9 @@
     <p:sldId id="328" r:id="rId10"/>
     <p:sldId id="329" r:id="rId11"/>
     <p:sldId id="330" r:id="rId12"/>
-    <p:sldId id="331" r:id="rId13"/>
-    <p:sldId id="332" r:id="rId14"/>
+    <p:sldId id="333" r:id="rId13"/>
+    <p:sldId id="331" r:id="rId14"/>
+    <p:sldId id="332" r:id="rId15"/>
   </p:sldIdLst>
   <p:sldSz cx="9144000" cy="6858000" type="screen4x3"/>
   <p:notesSz cx="6881813" cy="9296400"/>
@@ -6377,7 +6378,7 @@
           <a:p>
             <a:r>
               <a:rPr lang="en-US" dirty="0" smtClean="0"/>
-              <a:t>Documentation</a:t>
+              <a:t>Code quality</a:t>
             </a:r>
             <a:endParaRPr lang="en-US" dirty="0"/>
           </a:p>
@@ -6399,37 +6400,44 @@
           <a:lstStyle/>
           <a:p>
             <a:r>
-              <a:rPr lang="en-US" dirty="0" smtClean="0"/>
-              <a:t>All code objects documented with </a:t>
-            </a:r>
-            <a:r>
-              <a:rPr lang="en-US" dirty="0" smtClean="0">
-                <a:effectLst/>
-              </a:rPr>
-              <a:t>XML format documentation </a:t>
-            </a:r>
-            <a:r>
-              <a:rPr lang="en-US" dirty="0" smtClean="0"/>
-              <a:t>(classes, methods, properties, events, fields)</a:t>
-            </a:r>
-          </a:p>
-          <a:p>
-            <a:r>
-              <a:rPr lang="en-US" dirty="0" smtClean="0"/>
-              <a:t>CHM documentation created (MinesweeperDocumentation.chm)</a:t>
-            </a:r>
-          </a:p>
-          <a:p>
-            <a:r>
-              <a:rPr lang="en-US" dirty="0" smtClean="0"/>
-              <a:t>Refactoring documentation provided (README.md)</a:t>
-            </a:r>
-          </a:p>
-          <a:p>
-            <a:endParaRPr lang="en-US" dirty="0" smtClean="0"/>
-          </a:p>
-          <a:p>
-            <a:endParaRPr lang="en-US" dirty="0"/>
+              <a:rPr lang="en-US" sz="2800" dirty="0" smtClean="0"/>
+              <a:t>Class/method/variables </a:t>
+            </a:r>
+            <a:r>
+              <a:rPr lang="en-US" sz="2800" dirty="0"/>
+              <a:t>naming according to best practices</a:t>
+            </a:r>
+          </a:p>
+          <a:p>
+            <a:r>
+              <a:rPr lang="en-US" sz="2800" dirty="0" smtClean="0"/>
+              <a:t>High Maintainability index in all projects</a:t>
+            </a:r>
+          </a:p>
+          <a:p>
+            <a:r>
+              <a:rPr lang="en-US" sz="2800" dirty="0" smtClean="0"/>
+              <a:t>Low </a:t>
+            </a:r>
+            <a:r>
+              <a:rPr lang="en-US" sz="2800" dirty="0" err="1" smtClean="0"/>
+              <a:t>cyclomatic</a:t>
+            </a:r>
+            <a:r>
+              <a:rPr lang="en-US" sz="2800" dirty="0" smtClean="0"/>
+              <a:t> complexity in methods for easy testing</a:t>
+            </a:r>
+          </a:p>
+          <a:p>
+            <a:r>
+              <a:rPr lang="en-US" sz="2800" dirty="0"/>
+              <a:t>Low class </a:t>
+            </a:r>
+            <a:r>
+              <a:rPr lang="en-US" sz="2800" dirty="0" smtClean="0"/>
+              <a:t>coupling</a:t>
+            </a:r>
+            <a:endParaRPr lang="en-US" sz="3600" dirty="0" smtClean="0"/>
           </a:p>
         </p:txBody>
       </p:sp>
@@ -6462,10 +6470,34 @@
           </a:p>
         </p:txBody>
       </p:sp>
+      <p:pic>
+        <p:nvPicPr>
+          <p:cNvPr id="8" name="Picture 7"/>
+          <p:cNvPicPr>
+            <a:picLocks noChangeAspect="1"/>
+          </p:cNvPicPr>
+          <p:nvPr/>
+        </p:nvPicPr>
+        <p:blipFill>
+          <a:blip r:embed="rId2"/>
+          <a:stretch>
+            <a:fillRect/>
+          </a:stretch>
+        </p:blipFill>
+        <p:spPr>
+          <a:xfrm>
+            <a:off x="1013916" y="4572000"/>
+            <a:ext cx="7116168" cy="1419423"/>
+          </a:xfrm>
+          <a:prstGeom prst="rect">
+            <a:avLst/>
+          </a:prstGeom>
+        </p:spPr>
+      </p:pic>
     </p:spTree>
     <p:extLst>
       <p:ext uri="{BB962C8B-B14F-4D97-AF65-F5344CB8AC3E}">
-        <p14:creationId xmlns:p14="http://schemas.microsoft.com/office/powerpoint/2010/main" val="3540736701"/>
+        <p14:creationId xmlns:p14="http://schemas.microsoft.com/office/powerpoint/2010/main" val="1527161851"/>
       </p:ext>
     </p:extLst>
   </p:cSld>
@@ -6509,7 +6541,7 @@
           <a:p>
             <a:r>
               <a:rPr lang="en-US" dirty="0" smtClean="0"/>
-              <a:t>Organization and participants</a:t>
+              <a:t>Documentation</a:t>
             </a:r>
             <a:endParaRPr lang="en-US" dirty="0"/>
           </a:p>
@@ -6531,183 +6563,37 @@
           <a:lstStyle/>
           <a:p>
             <a:r>
-              <a:rPr lang="en-US" sz="2400" dirty="0" smtClean="0"/>
-              <a:t>Used </a:t>
-            </a:r>
-            <a:r>
-              <a:rPr lang="en-US" sz="2400" dirty="0" err="1" smtClean="0">
+              <a:rPr lang="en-US" dirty="0" smtClean="0"/>
+              <a:t>All code objects documented with </a:t>
+            </a:r>
+            <a:r>
+              <a:rPr lang="en-US" dirty="0" smtClean="0">
                 <a:effectLst/>
               </a:rPr>
-              <a:t>Git</a:t>
-            </a:r>
-            <a:r>
-              <a:rPr lang="en-US" sz="2400" dirty="0">
-                <a:effectLst/>
-              </a:rPr>
-              <a:t> as source code repository and GitHub </a:t>
-            </a:r>
-            <a:r>
-              <a:rPr lang="en-US" sz="2400" dirty="0" smtClean="0">
-                <a:effectLst/>
-              </a:rPr>
-              <a:t>as </a:t>
-            </a:r>
-            <a:r>
-              <a:rPr lang="en-US" sz="2400" dirty="0">
-                <a:effectLst/>
-              </a:rPr>
-              <a:t>project </a:t>
-            </a:r>
-            <a:r>
-              <a:rPr lang="en-US" sz="2400" dirty="0" smtClean="0">
-                <a:effectLst/>
-              </a:rPr>
-              <a:t>hosting </a:t>
-            </a:r>
-            <a:r>
-              <a:rPr lang="en-US" sz="1800" dirty="0" smtClean="0">
-                <a:effectLst/>
-                <a:hlinkClick r:id="rId2"/>
-              </a:rPr>
-              <a:t>https</a:t>
-            </a:r>
-            <a:r>
-              <a:rPr lang="en-US" sz="1800" dirty="0">
-                <a:effectLst/>
-                <a:hlinkClick r:id="rId2"/>
-              </a:rPr>
-              <a:t>://</a:t>
-            </a:r>
-            <a:r>
-              <a:rPr lang="en-US" sz="1800" dirty="0" smtClean="0">
-                <a:effectLst/>
-                <a:hlinkClick r:id="rId2"/>
-              </a:rPr>
-              <a:t>github.com/Minesweeper-6-Team-Project-Telerik/Minesweeper-6.git</a:t>
-            </a:r>
-            <a:endParaRPr lang="en-US" sz="1800" dirty="0" smtClean="0">
-              <a:effectLst/>
-            </a:endParaRPr>
-          </a:p>
-          <a:p>
-            <a:r>
-              <a:rPr lang="en-US" sz="2400" dirty="0" smtClean="0"/>
-              <a:t>Participants:</a:t>
-            </a:r>
-          </a:p>
-          <a:p>
-            <a:pPr lvl="1"/>
-            <a:r>
-              <a:rPr lang="en-US" sz="2000" dirty="0" smtClean="0"/>
-              <a:t>Atanas Georgiev (</a:t>
-            </a:r>
-            <a:r>
-              <a:rPr lang="en-US" sz="2000" dirty="0" err="1" smtClean="0">
-                <a:effectLst/>
-              </a:rPr>
-              <a:t>ageorgiev</a:t>
-            </a:r>
-            <a:r>
-              <a:rPr lang="en-US" sz="2000" dirty="0" smtClean="0">
-                <a:effectLst/>
-              </a:rPr>
-              <a:t>)</a:t>
-            </a:r>
-            <a:r>
-              <a:rPr lang="en-US" sz="2000" dirty="0" smtClean="0"/>
-              <a:t> – project architecture, minesweeper and console implementation, unit tests</a:t>
-            </a:r>
-          </a:p>
-          <a:p>
-            <a:pPr lvl="1"/>
-            <a:r>
-              <a:rPr lang="en-US" sz="2000" dirty="0" smtClean="0">
-                <a:effectLst/>
-              </a:rPr>
-              <a:t>Stefan </a:t>
-            </a:r>
-            <a:r>
-              <a:rPr lang="en-US" sz="2000" dirty="0" err="1" smtClean="0">
-                <a:effectLst/>
-              </a:rPr>
-              <a:t>Yovchev</a:t>
-            </a:r>
-            <a:r>
-              <a:rPr lang="en-US" sz="2000" dirty="0" smtClean="0">
-                <a:effectLst/>
-              </a:rPr>
-              <a:t> (</a:t>
-            </a:r>
-            <a:r>
-              <a:rPr lang="en-US" sz="2000" dirty="0" err="1" smtClean="0">
-                <a:effectLst/>
-              </a:rPr>
-              <a:t>stefan.yovchev</a:t>
-            </a:r>
-            <a:r>
-              <a:rPr lang="en-US" sz="2000" dirty="0" smtClean="0">
-                <a:effectLst/>
-              </a:rPr>
-              <a:t>) – </a:t>
-            </a:r>
-            <a:r>
-              <a:rPr lang="en-US" sz="2000" dirty="0" err="1" smtClean="0">
-                <a:effectLst/>
-              </a:rPr>
-              <a:t>Wpf</a:t>
-            </a:r>
-            <a:r>
-              <a:rPr lang="en-US" sz="2000" dirty="0" smtClean="0">
-                <a:effectLst/>
-              </a:rPr>
-              <a:t> implementation and unit testing</a:t>
-            </a:r>
-          </a:p>
-          <a:p>
-            <a:pPr lvl="1"/>
-            <a:r>
-              <a:rPr lang="en-US" sz="2000" dirty="0" smtClean="0">
-                <a:effectLst/>
-              </a:rPr>
-              <a:t>Tatyana </a:t>
-            </a:r>
-            <a:r>
-              <a:rPr lang="en-US" sz="2000" dirty="0" err="1" smtClean="0">
-                <a:effectLst/>
-              </a:rPr>
-              <a:t>Rangelova</a:t>
-            </a:r>
-            <a:r>
-              <a:rPr lang="en-US" sz="2000" dirty="0" smtClean="0">
-                <a:effectLst/>
-              </a:rPr>
-              <a:t> (</a:t>
-            </a:r>
-            <a:r>
-              <a:rPr lang="en-US" sz="2000" dirty="0" err="1" smtClean="0">
-                <a:effectLst/>
-              </a:rPr>
-              <a:t>TanyaRan</a:t>
-            </a:r>
-            <a:r>
-              <a:rPr lang="en-US" sz="2000" dirty="0" smtClean="0">
-                <a:effectLst/>
-              </a:rPr>
-              <a:t>) – code documentation, </a:t>
-            </a:r>
-            <a:r>
-              <a:rPr lang="en-US" sz="2000" dirty="0" err="1" smtClean="0">
-                <a:effectLst/>
-              </a:rPr>
-              <a:t>stylecop</a:t>
-            </a:r>
-            <a:r>
-              <a:rPr lang="en-US" sz="2000" dirty="0" smtClean="0">
-                <a:effectLst/>
-              </a:rPr>
-              <a:t> fixing, CHM documentation creation</a:t>
-            </a:r>
-            <a:endParaRPr lang="en-US" sz="2000" dirty="0" smtClean="0"/>
+              <a:t>XML format documentation </a:t>
+            </a:r>
+            <a:r>
+              <a:rPr lang="en-US" dirty="0" smtClean="0"/>
+              <a:t>(classes, methods, properties, events, fields)</a:t>
+            </a:r>
+          </a:p>
+          <a:p>
+            <a:r>
+              <a:rPr lang="en-US" dirty="0" smtClean="0"/>
+              <a:t>CHM documentation created (MinesweeperDocumentation.chm)</a:t>
+            </a:r>
+          </a:p>
+          <a:p>
+            <a:r>
+              <a:rPr lang="en-US" dirty="0" smtClean="0"/>
+              <a:t>Refactoring documentation provided (README.md)</a:t>
+            </a:r>
+          </a:p>
+          <a:p>
+            <a:endParaRPr lang="en-US" dirty="0" smtClean="0"/>
+          </a:p>
+          <a:p>
+            <a:endParaRPr lang="en-US" dirty="0"/>
           </a:p>
         </p:txBody>
       </p:sp>
@@ -6735,6 +6621,284 @@
                 <a:defRPr/>
               </a:pPr>
               <a:t>13</a:t>
+            </a:fld>
+            <a:endParaRPr lang="en-US" dirty="0"/>
+          </a:p>
+        </p:txBody>
+      </p:sp>
+    </p:spTree>
+    <p:extLst>
+      <p:ext uri="{BB962C8B-B14F-4D97-AF65-F5344CB8AC3E}">
+        <p14:creationId xmlns:p14="http://schemas.microsoft.com/office/powerpoint/2010/main" val="3540736701"/>
+      </p:ext>
+    </p:extLst>
+  </p:cSld>
+  <p:clrMapOvr>
+    <a:masterClrMapping/>
+  </p:clrMapOvr>
+</p:sld>
+</file>
+
+<file path=ppt/slides/slide14.xml><?xml version="1.0" encoding="utf-8"?>
+<p:sld xmlns:a="http://schemas.openxmlformats.org/drawingml/2006/main" xmlns:r="http://schemas.openxmlformats.org/officeDocument/2006/relationships" xmlns:p="http://schemas.openxmlformats.org/presentationml/2006/main">
+  <p:cSld>
+    <p:spTree>
+      <p:nvGrpSpPr>
+        <p:cNvPr id="1" name=""/>
+        <p:cNvGrpSpPr/>
+        <p:nvPr/>
+      </p:nvGrpSpPr>
+      <p:grpSpPr>
+        <a:xfrm>
+          <a:off x="0" y="0"/>
+          <a:ext cx="0" cy="0"/>
+          <a:chOff x="0" y="0"/>
+          <a:chExt cx="0" cy="0"/>
+        </a:xfrm>
+      </p:grpSpPr>
+      <p:sp>
+        <p:nvSpPr>
+          <p:cNvPr id="2" name="Title 1"/>
+          <p:cNvSpPr>
+            <a:spLocks noGrp="1"/>
+          </p:cNvSpPr>
+          <p:nvPr>
+            <p:ph type="title"/>
+          </p:nvPr>
+        </p:nvSpPr>
+        <p:spPr/>
+        <p:txBody>
+          <a:bodyPr/>
+          <a:lstStyle/>
+          <a:p>
+            <a:r>
+              <a:rPr lang="en-US" dirty="0" smtClean="0"/>
+              <a:t>Organization and participants</a:t>
+            </a:r>
+            <a:endParaRPr lang="en-US" dirty="0"/>
+          </a:p>
+        </p:txBody>
+      </p:sp>
+      <p:sp>
+        <p:nvSpPr>
+          <p:cNvPr id="3" name="Content Placeholder 2"/>
+          <p:cNvSpPr>
+            <a:spLocks noGrp="1"/>
+          </p:cNvSpPr>
+          <p:nvPr>
+            <p:ph idx="1"/>
+          </p:nvPr>
+        </p:nvSpPr>
+        <p:spPr/>
+        <p:txBody>
+          <a:bodyPr/>
+          <a:lstStyle/>
+          <a:p>
+            <a:r>
+              <a:rPr lang="en-US" sz="2400" dirty="0" smtClean="0"/>
+              <a:t>Used </a:t>
+            </a:r>
+            <a:r>
+              <a:rPr lang="en-US" sz="2400" dirty="0" err="1" smtClean="0">
+                <a:effectLst/>
+              </a:rPr>
+              <a:t>Git</a:t>
+            </a:r>
+            <a:r>
+              <a:rPr lang="en-US" sz="2400" dirty="0">
+                <a:effectLst/>
+              </a:rPr>
+              <a:t> as source code repository and GitHub </a:t>
+            </a:r>
+            <a:r>
+              <a:rPr lang="en-US" sz="2400" dirty="0" smtClean="0">
+                <a:effectLst/>
+              </a:rPr>
+              <a:t>as </a:t>
+            </a:r>
+            <a:r>
+              <a:rPr lang="en-US" sz="2400" dirty="0">
+                <a:effectLst/>
+              </a:rPr>
+              <a:t>project </a:t>
+            </a:r>
+            <a:r>
+              <a:rPr lang="en-US" sz="2400" dirty="0" smtClean="0">
+                <a:effectLst/>
+              </a:rPr>
+              <a:t>hosting </a:t>
+            </a:r>
+            <a:r>
+              <a:rPr lang="en-US" sz="1800" dirty="0" smtClean="0">
+                <a:effectLst/>
+                <a:hlinkClick r:id="rId2"/>
+              </a:rPr>
+              <a:t>https</a:t>
+            </a:r>
+            <a:r>
+              <a:rPr lang="en-US" sz="1800" dirty="0">
+                <a:effectLst/>
+                <a:hlinkClick r:id="rId2"/>
+              </a:rPr>
+              <a:t>://</a:t>
+            </a:r>
+            <a:r>
+              <a:rPr lang="en-US" sz="1800" dirty="0" smtClean="0">
+                <a:effectLst/>
+                <a:hlinkClick r:id="rId2"/>
+              </a:rPr>
+              <a:t>github.com/Minesweeper-6-Team-Project-Telerik/Minesweeper-6.git</a:t>
+            </a:r>
+            <a:endParaRPr lang="en-US" sz="1800" dirty="0" smtClean="0">
+              <a:effectLst/>
+            </a:endParaRPr>
+          </a:p>
+          <a:p>
+            <a:r>
+              <a:rPr lang="en-US" sz="2400" dirty="0" smtClean="0"/>
+              <a:t>Participants:</a:t>
+            </a:r>
+          </a:p>
+          <a:p>
+            <a:pPr lvl="1"/>
+            <a:r>
+              <a:rPr lang="en-US" sz="2000" dirty="0" smtClean="0"/>
+              <a:t>Atanas Georgiev (</a:t>
+            </a:r>
+            <a:r>
+              <a:rPr lang="en-US" sz="2000" dirty="0" err="1" smtClean="0">
+                <a:effectLst/>
+              </a:rPr>
+              <a:t>ageorgiev</a:t>
+            </a:r>
+            <a:r>
+              <a:rPr lang="en-US" sz="2000" dirty="0" smtClean="0">
+                <a:effectLst/>
+              </a:rPr>
+              <a:t>)</a:t>
+            </a:r>
+            <a:r>
+              <a:rPr lang="en-US" sz="2000" dirty="0" smtClean="0"/>
+              <a:t> – project architecture, minesweeper and console implementation, unit tests</a:t>
+            </a:r>
+          </a:p>
+          <a:p>
+            <a:pPr lvl="1"/>
+            <a:r>
+              <a:rPr lang="en-US" sz="2000" dirty="0" smtClean="0">
+                <a:effectLst/>
+              </a:rPr>
+              <a:t>Stefan </a:t>
+            </a:r>
+            <a:r>
+              <a:rPr lang="en-US" sz="2000" dirty="0" err="1" smtClean="0">
+                <a:effectLst/>
+              </a:rPr>
+              <a:t>Yovchev</a:t>
+            </a:r>
+            <a:r>
+              <a:rPr lang="en-US" sz="2000" dirty="0" smtClean="0">
+                <a:effectLst/>
+              </a:rPr>
+              <a:t> (</a:t>
+            </a:r>
+            <a:r>
+              <a:rPr lang="en-US" sz="2000" dirty="0" err="1" smtClean="0">
+                <a:effectLst/>
+              </a:rPr>
+              <a:t>stefan.yovchev</a:t>
+            </a:r>
+            <a:r>
+              <a:rPr lang="en-US" sz="2000" dirty="0" smtClean="0">
+                <a:effectLst/>
+              </a:rPr>
+              <a:t>) – </a:t>
+            </a:r>
+            <a:r>
+              <a:rPr lang="en-US" sz="2000" dirty="0" err="1" smtClean="0">
+                <a:effectLst/>
+              </a:rPr>
+              <a:t>Wpf</a:t>
+            </a:r>
+            <a:r>
+              <a:rPr lang="en-US" sz="2000" dirty="0" smtClean="0">
+                <a:effectLst/>
+              </a:rPr>
+              <a:t> implementation and unit testing</a:t>
+            </a:r>
+          </a:p>
+          <a:p>
+            <a:pPr lvl="1"/>
+            <a:r>
+              <a:rPr lang="en-US" sz="2000" dirty="0" smtClean="0">
+                <a:effectLst/>
+              </a:rPr>
+              <a:t>Tatyana </a:t>
+            </a:r>
+            <a:r>
+              <a:rPr lang="en-US" sz="2000" dirty="0" err="1" smtClean="0">
+                <a:effectLst/>
+              </a:rPr>
+              <a:t>Rangelova</a:t>
+            </a:r>
+            <a:r>
+              <a:rPr lang="en-US" sz="2000" dirty="0" smtClean="0">
+                <a:effectLst/>
+              </a:rPr>
+              <a:t> (</a:t>
+            </a:r>
+            <a:r>
+              <a:rPr lang="en-US" sz="2000" dirty="0" err="1" smtClean="0">
+                <a:effectLst/>
+              </a:rPr>
+              <a:t>TanyaRan</a:t>
+            </a:r>
+            <a:r>
+              <a:rPr lang="en-US" sz="2000" dirty="0" smtClean="0">
+                <a:effectLst/>
+              </a:rPr>
+              <a:t>) – code documentation, </a:t>
+            </a:r>
+            <a:r>
+              <a:rPr lang="en-US" sz="2000" dirty="0" err="1" smtClean="0">
+                <a:effectLst/>
+              </a:rPr>
+              <a:t>stylecop</a:t>
+            </a:r>
+            <a:r>
+              <a:rPr lang="en-US" sz="2000" dirty="0" smtClean="0">
+                <a:effectLst/>
+              </a:rPr>
+              <a:t> fixing, CHM documentation creation</a:t>
+            </a:r>
+            <a:endParaRPr lang="en-US" sz="2000" dirty="0" smtClean="0"/>
+          </a:p>
+        </p:txBody>
+      </p:sp>
+      <p:sp>
+        <p:nvSpPr>
+          <p:cNvPr id="4" name="Slide Number Placeholder 3"/>
+          <p:cNvSpPr>
+            <a:spLocks noGrp="1"/>
+          </p:cNvSpPr>
+          <p:nvPr>
+            <p:ph type="sldNum" sz="quarter" idx="10"/>
+          </p:nvPr>
+        </p:nvSpPr>
+        <p:spPr/>
+        <p:txBody>
+          <a:bodyPr/>
+          <a:lstStyle/>
+          <a:p>
+            <a:pPr>
+              <a:defRPr/>
+            </a:pPr>
+            <a:fld id="{58452FF4-89E3-4D1B-9927-2DBDC00E58D7}" type="slidenum">
+              <a:rPr lang="en-US" smtClean="0"/>
+              <a:pPr>
+                <a:defRPr/>
+              </a:pPr>
+              <a:t>14</a:t>
             </a:fld>
             <a:endParaRPr lang="en-US" dirty="0"/>
           </a:p>
@@ -7016,13 +7180,8 @@
             </a:r>
             <a:r>
               <a:rPr lang="en-US" sz="2400" dirty="0" smtClean="0"/>
-              <a:t> – logic for store/load </a:t>
-            </a:r>
-            <a:r>
-              <a:rPr lang="en-US" sz="2400" dirty="0" smtClean="0"/>
-              <a:t>players, easy to change input/output. Currently uses XML serialization of players</a:t>
-            </a:r>
-            <a:endParaRPr lang="en-US" sz="2400" dirty="0" smtClean="0"/>
+              <a:t> – logic for store/load players, easy to change input/output. Currently uses XML serialization of players</a:t>
+            </a:r>
           </a:p>
           <a:p>
             <a:r>
@@ -7280,13 +7439,13 @@
           <a:lstStyle/>
           <a:p>
             <a:r>
-              <a:rPr lang="en-US" sz="1800" dirty="0" smtClean="0"/>
+              <a:rPr lang="en-US" sz="2000" dirty="0"/>
               <a:t>No implementation, only interface definition</a:t>
             </a:r>
           </a:p>
           <a:p>
             <a:r>
-              <a:rPr lang="en-US" sz="1800" dirty="0" smtClean="0"/>
+              <a:rPr lang="en-US" sz="2000" dirty="0"/>
               <a:t>Any view should be able to display:</a:t>
             </a:r>
           </a:p>
@@ -7325,7 +7484,15 @@
           <a:p>
             <a:r>
               <a:rPr lang="en-US" sz="2000" dirty="0" smtClean="0"/>
-              <a:t>And handle use inputs:</a:t>
+              <a:t>And handle </a:t>
+            </a:r>
+            <a:r>
+              <a:rPr lang="en-US" sz="2000" dirty="0" smtClean="0"/>
+              <a:t>user </a:t>
+            </a:r>
+            <a:r>
+              <a:rPr lang="en-US" sz="2000" dirty="0" smtClean="0"/>
+              <a:t>inputs:</a:t>
             </a:r>
           </a:p>
           <a:p>
@@ -7362,7 +7529,7 @@
           </a:p>
           <a:p>
             <a:r>
-              <a:rPr lang="en-US" sz="2000" dirty="0" smtClean="0"/>
+              <a:rPr lang="en-US" sz="2000" dirty="0"/>
               <a:t>Two views implemented – console and WPF</a:t>
             </a:r>
           </a:p>
